--- a/Group_1_Final_slide_deck.pptx
+++ b/Group_1_Final_slide_deck.pptx
@@ -358,7 +358,7 @@
           <a:p>
             <a:fld id="{ED291B17-9318-49DB-B28B-6E5994AE9581}" type="datetime1">
               <a:rPr lang="en-US" smtClean="0"/>
-              <a:t>5/17/2023</a:t>
+              <a:t>5/18/2023</a:t>
             </a:fld>
             <a:endParaRPr lang="en-US" dirty="0"/>
           </a:p>
@@ -561,7 +561,7 @@
           <a:p>
             <a:fld id="{2CED4963-E985-44C4-B8C4-FDD613B7C2F8}" type="datetime1">
               <a:rPr lang="en-US" smtClean="0"/>
-              <a:t>5/17/2023</a:t>
+              <a:t>5/18/2023</a:t>
             </a:fld>
             <a:endParaRPr lang="en-US" dirty="0"/>
           </a:p>
@@ -923,7 +923,7 @@
           <a:p>
             <a:fld id="{ED291B17-9318-49DB-B28B-6E5994AE9581}" type="datetime1">
               <a:rPr lang="en-US" smtClean="0"/>
-              <a:t>5/17/2023</a:t>
+              <a:t>5/18/2023</a:t>
             </a:fld>
             <a:endParaRPr lang="en-US" dirty="0"/>
           </a:p>
@@ -1121,7 +1121,7 @@
           <a:p>
             <a:fld id="{78DD82B9-B8EE-4375-B6FF-88FA6ABB15D9}" type="datetime1">
               <a:rPr lang="en-US" smtClean="0"/>
-              <a:t>5/17/2023</a:t>
+              <a:t>5/18/2023</a:t>
             </a:fld>
             <a:endParaRPr lang="en-US" dirty="0"/>
           </a:p>
@@ -1433,7 +1433,7 @@
           <a:p>
             <a:fld id="{B2497495-0637-405E-AE64-5CC7506D51F5}" type="datetime1">
               <a:rPr lang="en-US" smtClean="0"/>
-              <a:t>5/17/2023</a:t>
+              <a:t>5/18/2023</a:t>
             </a:fld>
             <a:endParaRPr lang="en-US" dirty="0"/>
           </a:p>
@@ -1686,7 +1686,7 @@
           <a:p>
             <a:fld id="{7BFFD690-9426-415D-8B65-26881E07B2D4}" type="datetime1">
               <a:rPr lang="en-US" smtClean="0"/>
-              <a:t>5/17/2023</a:t>
+              <a:t>5/18/2023</a:t>
             </a:fld>
             <a:endParaRPr lang="en-US" dirty="0"/>
           </a:p>
@@ -2108,7 +2108,7 @@
           <a:p>
             <a:fld id="{04C4989A-474C-40DE-95B9-011C28B71673}" type="datetime1">
               <a:rPr lang="en-US" smtClean="0"/>
-              <a:t>5/17/2023</a:t>
+              <a:t>5/18/2023</a:t>
             </a:fld>
             <a:endParaRPr lang="en-US" dirty="0"/>
           </a:p>
@@ -2231,7 +2231,7 @@
           <a:p>
             <a:fld id="{5DB4ED54-5B5E-4A04-93D3-5772E3CE3818}" type="datetime1">
               <a:rPr lang="en-US" smtClean="0"/>
-              <a:t>5/17/2023</a:t>
+              <a:t>5/18/2023</a:t>
             </a:fld>
             <a:endParaRPr lang="en-US" dirty="0"/>
           </a:p>
@@ -2326,7 +2326,7 @@
           <a:p>
             <a:fld id="{4EDE50D6-574B-40AF-946F-D52A04ADE379}" type="datetime1">
               <a:rPr lang="en-US" smtClean="0"/>
-              <a:t>5/17/2023</a:t>
+              <a:t>5/18/2023</a:t>
             </a:fld>
             <a:endParaRPr lang="en-US" dirty="0"/>
           </a:p>
@@ -2703,7 +2703,7 @@
           <a:p>
             <a:fld id="{D82884F1-FFEA-405F-9602-3DCA865EDA4E}" type="datetime1">
               <a:rPr lang="en-US" smtClean="0"/>
-              <a:t>5/17/2023</a:t>
+              <a:t>5/18/2023</a:t>
             </a:fld>
             <a:endParaRPr lang="en-US" dirty="0"/>
           </a:p>
@@ -2996,7 +2996,7 @@
           <a:p>
             <a:fld id="{7E18DB4A-8810-4A10-AD5C-D5E2C667F5B3}" type="datetime1">
               <a:rPr lang="en-US" smtClean="0"/>
-              <a:t>5/17/2023</a:t>
+              <a:t>5/18/2023</a:t>
             </a:fld>
             <a:endParaRPr lang="en-US" dirty="0"/>
           </a:p>
@@ -3211,7 +3211,7 @@
           <a:p>
             <a:fld id="{ED291B17-9318-49DB-B28B-6E5994AE9581}" type="datetime1">
               <a:rPr lang="en-US" smtClean="0"/>
-              <a:t>5/17/2023</a:t>
+              <a:t>5/18/2023</a:t>
             </a:fld>
             <a:endParaRPr lang="en-US" dirty="0"/>
           </a:p>
@@ -5049,7 +5049,7 @@
         <p:spPr>
           <a:xfrm>
             <a:off x="696287" y="2207340"/>
-            <a:ext cx="4177717" cy="2677656"/>
+            <a:ext cx="4177717" cy="3539430"/>
           </a:xfrm>
           <a:prstGeom prst="rect">
             <a:avLst/>
@@ -5068,8 +5068,28 @@
             </a:pPr>
             <a:r>
               <a:rPr lang="en-US" sz="1400" dirty="0"/>
-              <a:t>GD</a:t>
-            </a:r>
+              <a:t>Germany health expenditure per capita in 2006 was </a:t>
+            </a:r>
+            <a:r>
+              <a:rPr lang="en-US" sz="1400" b="0" i="0" dirty="0">
+                <a:solidFill>
+                  <a:srgbClr val="444444"/>
+                </a:solidFill>
+                <a:effectLst/>
+                <a:latin typeface="+mj-lt"/>
+              </a:rPr>
+              <a:t>$</a:t>
+            </a:r>
+            <a:r>
+              <a:rPr lang="en-US" sz="1400" b="0" i="0" dirty="0">
+                <a:effectLst/>
+                <a:latin typeface="+mj-lt"/>
+              </a:rPr>
+              <a:t>3,698 and in 2014 it increased to $5,207</a:t>
+            </a:r>
+            <a:endParaRPr lang="en-US" sz="1400" dirty="0">
+              <a:latin typeface="+mj-lt"/>
+            </a:endParaRPr>
           </a:p>
           <a:p>
             <a:r>
@@ -5085,6 +5105,23 @@
             <a:r>
               <a:rPr lang="en-US" sz="1400" dirty="0"/>
               <a:t>Germany looks to have maintained good funding allocation towards healthcare as represented in population growth </a:t>
+            </a:r>
+          </a:p>
+          <a:p>
+            <a:pPr marL="285750" indent="-285750">
+              <a:buFontTx/>
+              <a:buChar char="-"/>
+            </a:pPr>
+            <a:endParaRPr lang="en-US" sz="1400" dirty="0"/>
+          </a:p>
+          <a:p>
+            <a:pPr marL="285750" indent="-285750">
+              <a:buFontTx/>
+              <a:buChar char="-"/>
+            </a:pPr>
+            <a:r>
+              <a:rPr lang="en-US" sz="1400" dirty="0"/>
+              <a:t>Turkey health expenditure per capita in 2006 was $300 and 2014 it increased to $524</a:t>
             </a:r>
           </a:p>
           <a:p>
@@ -5482,7 +5519,7 @@
             </a:pPr>
             <a:r>
               <a:rPr lang="en-US" sz="1400" dirty="0"/>
-              <a:t>Germany’s age group from 20- 29 based on gender stayed parallel throughout the years </a:t>
+              <a:t>Germany’s age group from 20- 29 based on gender stayed parallel throughout the years with higher cases in early 2000s </a:t>
             </a:r>
           </a:p>
           <a:p>
@@ -5879,7 +5916,7 @@
         <p:spPr>
           <a:xfrm>
             <a:off x="644146" y="1334885"/>
-            <a:ext cx="5303648" cy="2462213"/>
+            <a:ext cx="5303648" cy="3108543"/>
           </a:xfrm>
           <a:prstGeom prst="rect">
             <a:avLst/>
@@ -5898,15 +5935,47 @@
             </a:pPr>
             <a:r>
               <a:rPr lang="en-US" sz="1400" dirty="0"/>
-              <a:t>Incidence rate in Germany </a:t>
-            </a:r>
-          </a:p>
-          <a:p>
-            <a:pPr marL="285750" indent="-285750">
+              <a:t>Incidence rate in </a:t>
+            </a:r>
+            <a:r>
+              <a:rPr lang="en-US" sz="1400" dirty="0">
+                <a:latin typeface="+mj-lt"/>
+              </a:rPr>
+              <a:t>Germany remained around </a:t>
+            </a:r>
+            <a:r>
+              <a:rPr lang="en-US" sz="1400" i="0" dirty="0">
+                <a:solidFill>
+                  <a:srgbClr val="323232"/>
+                </a:solidFill>
+                <a:effectLst/>
+                <a:latin typeface="+mj-lt"/>
+              </a:rPr>
+              <a:t>an annual TB incidence of 7.3 cases per 100,000 population</a:t>
+            </a:r>
+          </a:p>
+          <a:p>
+            <a:pPr marL="742950" lvl="1" indent="-285750">
               <a:buFontTx/>
               <a:buChar char="-"/>
             </a:pPr>
-            <a:endParaRPr lang="en-US" sz="1400" dirty="0"/>
+            <a:r>
+              <a:rPr lang="en-US" sz="1400" b="0" i="0" dirty="0">
+                <a:solidFill>
+                  <a:srgbClr val="323232"/>
+                </a:solidFill>
+                <a:effectLst/>
+                <a:latin typeface="+mj-lt"/>
+              </a:rPr>
+              <a:t>A total of 105 patients died of tuberculosis in 2015 (2014: 109 deaths). This corresponded to a mortality of 0.13 cases per 100,000 population</a:t>
+            </a:r>
+            <a:endParaRPr lang="en-US" sz="1400" i="0" dirty="0">
+              <a:solidFill>
+                <a:srgbClr val="323232"/>
+              </a:solidFill>
+              <a:effectLst/>
+              <a:latin typeface="+mj-lt"/>
+            </a:endParaRPr>
           </a:p>
           <a:p>
             <a:pPr marL="285750" indent="-285750">

--- a/Group_1_Final_slide_deck.pptx
+++ b/Group_1_Final_slide_deck.pptx
@@ -10,9 +10,9 @@
     <p:sldId id="258" r:id="rId4"/>
     <p:sldId id="257" r:id="rId5"/>
     <p:sldId id="260" r:id="rId6"/>
-    <p:sldId id="264" r:id="rId7"/>
-    <p:sldId id="266" r:id="rId8"/>
-    <p:sldId id="261" r:id="rId9"/>
+    <p:sldId id="261" r:id="rId7"/>
+    <p:sldId id="269" r:id="rId8"/>
+    <p:sldId id="270" r:id="rId9"/>
     <p:sldId id="268" r:id="rId10"/>
   </p:sldIdLst>
   <p:sldSz cx="12192000" cy="6858000"/>
@@ -358,7 +358,7 @@
           <a:p>
             <a:fld id="{ED291B17-9318-49DB-B28B-6E5994AE9581}" type="datetime1">
               <a:rPr lang="en-US" smtClean="0"/>
-              <a:t>5/18/2023</a:t>
+              <a:t>5/18/23</a:t>
             </a:fld>
             <a:endParaRPr lang="en-US" dirty="0"/>
           </a:p>
@@ -561,7 +561,7 @@
           <a:p>
             <a:fld id="{2CED4963-E985-44C4-B8C4-FDD613B7C2F8}" type="datetime1">
               <a:rPr lang="en-US" smtClean="0"/>
-              <a:t>5/18/2023</a:t>
+              <a:t>5/18/23</a:t>
             </a:fld>
             <a:endParaRPr lang="en-US" dirty="0"/>
           </a:p>
@@ -923,7 +923,7 @@
           <a:p>
             <a:fld id="{ED291B17-9318-49DB-B28B-6E5994AE9581}" type="datetime1">
               <a:rPr lang="en-US" smtClean="0"/>
-              <a:t>5/18/2023</a:t>
+              <a:t>5/18/23</a:t>
             </a:fld>
             <a:endParaRPr lang="en-US" dirty="0"/>
           </a:p>
@@ -1121,7 +1121,7 @@
           <a:p>
             <a:fld id="{78DD82B9-B8EE-4375-B6FF-88FA6ABB15D9}" type="datetime1">
               <a:rPr lang="en-US" smtClean="0"/>
-              <a:t>5/18/2023</a:t>
+              <a:t>5/18/23</a:t>
             </a:fld>
             <a:endParaRPr lang="en-US" dirty="0"/>
           </a:p>
@@ -1433,7 +1433,7 @@
           <a:p>
             <a:fld id="{B2497495-0637-405E-AE64-5CC7506D51F5}" type="datetime1">
               <a:rPr lang="en-US" smtClean="0"/>
-              <a:t>5/18/2023</a:t>
+              <a:t>5/18/23</a:t>
             </a:fld>
             <a:endParaRPr lang="en-US" dirty="0"/>
           </a:p>
@@ -1686,7 +1686,7 @@
           <a:p>
             <a:fld id="{7BFFD690-9426-415D-8B65-26881E07B2D4}" type="datetime1">
               <a:rPr lang="en-US" smtClean="0"/>
-              <a:t>5/18/2023</a:t>
+              <a:t>5/18/23</a:t>
             </a:fld>
             <a:endParaRPr lang="en-US" dirty="0"/>
           </a:p>
@@ -2108,7 +2108,7 @@
           <a:p>
             <a:fld id="{04C4989A-474C-40DE-95B9-011C28B71673}" type="datetime1">
               <a:rPr lang="en-US" smtClean="0"/>
-              <a:t>5/18/2023</a:t>
+              <a:t>5/18/23</a:t>
             </a:fld>
             <a:endParaRPr lang="en-US" dirty="0"/>
           </a:p>
@@ -2231,7 +2231,7 @@
           <a:p>
             <a:fld id="{5DB4ED54-5B5E-4A04-93D3-5772E3CE3818}" type="datetime1">
               <a:rPr lang="en-US" smtClean="0"/>
-              <a:t>5/18/2023</a:t>
+              <a:t>5/18/23</a:t>
             </a:fld>
             <a:endParaRPr lang="en-US" dirty="0"/>
           </a:p>
@@ -2326,7 +2326,7 @@
           <a:p>
             <a:fld id="{4EDE50D6-574B-40AF-946F-D52A04ADE379}" type="datetime1">
               <a:rPr lang="en-US" smtClean="0"/>
-              <a:t>5/18/2023</a:t>
+              <a:t>5/18/23</a:t>
             </a:fld>
             <a:endParaRPr lang="en-US" dirty="0"/>
           </a:p>
@@ -2703,7 +2703,7 @@
           <a:p>
             <a:fld id="{D82884F1-FFEA-405F-9602-3DCA865EDA4E}" type="datetime1">
               <a:rPr lang="en-US" smtClean="0"/>
-              <a:t>5/18/2023</a:t>
+              <a:t>5/18/23</a:t>
             </a:fld>
             <a:endParaRPr lang="en-US" dirty="0"/>
           </a:p>
@@ -2996,7 +2996,7 @@
           <a:p>
             <a:fld id="{7E18DB4A-8810-4A10-AD5C-D5E2C667F5B3}" type="datetime1">
               <a:rPr lang="en-US" smtClean="0"/>
-              <a:t>5/18/2023</a:t>
+              <a:t>5/18/23</a:t>
             </a:fld>
             <a:endParaRPr lang="en-US" dirty="0"/>
           </a:p>
@@ -3211,7 +3211,7 @@
           <a:p>
             <a:fld id="{ED291B17-9318-49DB-B28B-6E5994AE9581}" type="datetime1">
               <a:rPr lang="en-US" smtClean="0"/>
-              <a:t>5/18/2023</a:t>
+              <a:t>5/18/23</a:t>
             </a:fld>
             <a:endParaRPr lang="en-US" dirty="0"/>
           </a:p>
@@ -3944,7 +3944,7 @@
         </p:blipFill>
         <p:spPr>
           <a:xfrm>
-            <a:off x="20" y="10"/>
+            <a:off x="20" y="-165802"/>
             <a:ext cx="12191980" cy="6857990"/>
           </a:xfrm>
           <a:prstGeom prst="rect">
@@ -5198,7 +5198,7 @@
           <p:cNvPr id="2" name="Title 1">
             <a:extLst>
               <a:ext uri="{FF2B5EF4-FFF2-40B4-BE49-F238E27FC236}">
-                <a16:creationId xmlns:a16="http://schemas.microsoft.com/office/drawing/2014/main" id="{D3C9D713-63C0-085E-77A9-BC6354A1F9D2}"/>
+                <a16:creationId xmlns:a16="http://schemas.microsoft.com/office/drawing/2014/main" id="{813CA326-D0E9-CB6A-DA08-434AB76D3457}"/>
               </a:ext>
             </a:extLst>
           </p:cNvPr>
@@ -5211,8 +5211,8 @@
         </p:nvSpPr>
         <p:spPr>
           <a:xfrm>
-            <a:off x="503370" y="702156"/>
-            <a:ext cx="11107438" cy="501508"/>
+            <a:off x="469783" y="702156"/>
+            <a:ext cx="11141025" cy="472303"/>
           </a:xfrm>
         </p:spPr>
         <p:txBody>
@@ -5223,26 +5223,24 @@
           <a:p>
             <a:r>
               <a:rPr lang="en-US" dirty="0"/>
-              <a:t>Population by gender</a:t>
+              <a:t>Total public Health expenditure </a:t>
             </a:r>
           </a:p>
         </p:txBody>
       </p:sp>
       <p:pic>
         <p:nvPicPr>
-          <p:cNvPr id="8194" name="Picture 2">
+          <p:cNvPr id="4" name="Picture 2">
             <a:extLst>
               <a:ext uri="{FF2B5EF4-FFF2-40B4-BE49-F238E27FC236}">
-                <a16:creationId xmlns:a16="http://schemas.microsoft.com/office/drawing/2014/main" id="{6DC9C716-46B5-452D-4788-3851BDE0D4B5}"/>
+                <a16:creationId xmlns:a16="http://schemas.microsoft.com/office/drawing/2014/main" id="{07192D3B-509A-24F2-29D6-FC13BC9DC8A3}"/>
               </a:ext>
             </a:extLst>
           </p:cNvPr>
           <p:cNvPicPr>
-            <a:picLocks noGrp="1" noChangeAspect="1" noChangeArrowheads="1"/>
+            <a:picLocks noChangeAspect="1" noChangeArrowheads="1"/>
           </p:cNvPicPr>
-          <p:nvPr>
-            <p:ph idx="1"/>
-          </p:nvPr>
+          <p:nvPr/>
         </p:nvPicPr>
         <p:blipFill>
           <a:blip r:embed="rId2">
@@ -5259,8 +5257,8 @@
         </p:blipFill>
         <p:spPr bwMode="auto">
           <a:xfrm>
-            <a:off x="503370" y="1433320"/>
-            <a:ext cx="4590488" cy="3633787"/>
+            <a:off x="6386654" y="1180580"/>
+            <a:ext cx="4556919" cy="3633787"/>
           </a:xfrm>
           <a:prstGeom prst="rect">
             <a:avLst/>
@@ -5277,57 +5275,122 @@
           </a:extLst>
         </p:spPr>
       </p:pic>
-      <p:pic>
-        <p:nvPicPr>
-          <p:cNvPr id="4" name="Picture 2">
+      <p:sp>
+        <p:nvSpPr>
+          <p:cNvPr id="5" name="TextBox 4">
             <a:extLst>
               <a:ext uri="{FF2B5EF4-FFF2-40B4-BE49-F238E27FC236}">
-                <a16:creationId xmlns:a16="http://schemas.microsoft.com/office/drawing/2014/main" id="{DC7BA25C-E96F-8F48-CC61-CFD195E41B9F}"/>
+                <a16:creationId xmlns:a16="http://schemas.microsoft.com/office/drawing/2014/main" id="{B71257C9-92F1-EBAA-48BA-7ED034FAE859}"/>
               </a:ext>
             </a:extLst>
           </p:cNvPr>
-          <p:cNvPicPr>
-            <a:picLocks noChangeAspect="1" noChangeArrowheads="1"/>
-          </p:cNvPicPr>
+          <p:cNvSpPr txBox="1"/>
           <p:nvPr/>
-        </p:nvPicPr>
-        <p:blipFill>
-          <a:blip r:embed="rId3">
-            <a:extLst>
-              <a:ext uri="{28A0092B-C50C-407E-A947-70E740481C1C}">
-                <a14:useLocalDpi xmlns:a14="http://schemas.microsoft.com/office/drawing/2010/main" val="0"/>
-              </a:ext>
-            </a:extLst>
-          </a:blip>
-          <a:srcRect/>
-          <a:stretch>
-            <a:fillRect/>
-          </a:stretch>
-        </p:blipFill>
-        <p:spPr bwMode="auto">
-          <a:xfrm>
-            <a:off x="6057089" y="1433319"/>
-            <a:ext cx="4590488" cy="3633787"/>
+        </p:nvSpPr>
+        <p:spPr>
+          <a:xfrm>
+            <a:off x="5771329" y="1722629"/>
+            <a:ext cx="738664" cy="2555121"/>
           </a:xfrm>
           <a:prstGeom prst="rect">
             <a:avLst/>
           </a:prstGeom>
           <a:noFill/>
-          <a:extLst>
-            <a:ext uri="{909E8E84-426E-40DD-AFC4-6F175D3DCCD1}">
-              <a14:hiddenFill xmlns:a14="http://schemas.microsoft.com/office/drawing/2010/main">
-                <a:solidFill>
-                  <a:srgbClr val="FFFFFF"/>
-                </a:solidFill>
-              </a14:hiddenFill>
-            </a:ext>
-          </a:extLst>
-        </p:spPr>
-      </p:pic>
+        </p:spPr>
+        <p:txBody>
+          <a:bodyPr vert="vert270" wrap="square" rtlCol="0">
+            <a:spAutoFit/>
+          </a:bodyPr>
+          <a:lstStyle/>
+          <a:p>
+            <a:pPr algn="ctr"/>
+            <a:r>
+              <a:rPr lang="en-US" dirty="0"/>
+              <a:t>% Total Health Expenditure </a:t>
+            </a:r>
+          </a:p>
+        </p:txBody>
+      </p:sp>
+      <p:sp>
+        <p:nvSpPr>
+          <p:cNvPr id="7" name="TextBox 6">
+            <a:extLst>
+              <a:ext uri="{FF2B5EF4-FFF2-40B4-BE49-F238E27FC236}">
+                <a16:creationId xmlns:a16="http://schemas.microsoft.com/office/drawing/2014/main" id="{52071F46-30D9-C823-8D43-193B61F61664}"/>
+              </a:ext>
+            </a:extLst>
+          </p:cNvPr>
+          <p:cNvSpPr txBox="1"/>
+          <p:nvPr/>
+        </p:nvSpPr>
+        <p:spPr>
+          <a:xfrm>
+            <a:off x="577035" y="1401996"/>
+            <a:ext cx="4177717" cy="2031325"/>
+          </a:xfrm>
+          <a:prstGeom prst="rect">
+            <a:avLst/>
+          </a:prstGeom>
+          <a:noFill/>
+        </p:spPr>
+        <p:txBody>
+          <a:bodyPr wrap="square" rtlCol="0">
+            <a:spAutoFit/>
+          </a:bodyPr>
+          <a:lstStyle/>
+          <a:p>
+            <a:pPr marL="285750" indent="-285750">
+              <a:buFontTx/>
+              <a:buChar char="-"/>
+            </a:pPr>
+            <a:r>
+              <a:rPr lang="en-US" sz="1400" dirty="0"/>
+              <a:t>Germany health care system shows no fluctuation/is steady </a:t>
+            </a:r>
+          </a:p>
+          <a:p>
+            <a:endParaRPr lang="en-US" sz="1400" dirty="0"/>
+          </a:p>
+          <a:p>
+            <a:pPr marL="285750" indent="-285750">
+              <a:buFontTx/>
+              <a:buChar char="-"/>
+            </a:pPr>
+            <a:r>
+              <a:rPr lang="en-US" sz="1400" dirty="0"/>
+              <a:t>Total health expenditure increased in Turkey around 2007 </a:t>
+            </a:r>
+          </a:p>
+          <a:p>
+            <a:pPr marL="742950" lvl="1" indent="-285750">
+              <a:buFontTx/>
+              <a:buChar char="-"/>
+            </a:pPr>
+            <a:r>
+              <a:rPr lang="en-US" sz="1400" dirty="0"/>
+              <a:t>Tuberculosis Control Department budget increased </a:t>
+            </a:r>
+          </a:p>
+          <a:p>
+            <a:pPr marL="742950" lvl="1" indent="-285750">
+              <a:buFontTx/>
+              <a:buChar char="-"/>
+            </a:pPr>
+            <a:r>
+              <a:rPr lang="en-US" sz="1400" dirty="0"/>
+              <a:t>Economic stability </a:t>
+            </a:r>
+          </a:p>
+          <a:p>
+            <a:pPr lvl="1"/>
+            <a:endParaRPr lang="en-US" sz="1400" dirty="0"/>
+          </a:p>
+        </p:txBody>
+      </p:sp>
     </p:spTree>
     <p:extLst>
       <p:ext uri="{BB962C8B-B14F-4D97-AF65-F5344CB8AC3E}">
-        <p14:creationId xmlns:p14="http://schemas.microsoft.com/office/powerpoint/2010/main" val="2175270492"/>
+        <p14:creationId xmlns:p14="http://schemas.microsoft.com/office/powerpoint/2010/main" val="4202038456"/>
       </p:ext>
     </p:extLst>
   </p:cSld>
@@ -5359,7 +5422,7 @@
           <p:cNvPr id="2" name="Title 1">
             <a:extLst>
               <a:ext uri="{FF2B5EF4-FFF2-40B4-BE49-F238E27FC236}">
-                <a16:creationId xmlns:a16="http://schemas.microsoft.com/office/drawing/2014/main" id="{E7EF02F1-1AF7-C7A7-AA15-EAADBE4FA720}"/>
+                <a16:creationId xmlns:a16="http://schemas.microsoft.com/office/drawing/2014/main" id="{D3C9D713-63C0-085E-77A9-BC6354A1F9D2}"/>
               </a:ext>
             </a:extLst>
           </p:cNvPr>
@@ -5372,8 +5435,8 @@
         </p:nvSpPr>
         <p:spPr>
           <a:xfrm>
-            <a:off x="469783" y="702156"/>
-            <a:ext cx="11141025" cy="413580"/>
+            <a:off x="2521504" y="646771"/>
+            <a:ext cx="4938662" cy="552730"/>
           </a:xfrm>
         </p:spPr>
         <p:txBody>
@@ -5384,17 +5447,17 @@
           <a:p>
             <a:r>
               <a:rPr lang="en-US" dirty="0"/>
-              <a:t>Ages 20-29</a:t>
+              <a:t>Population by gender</a:t>
             </a:r>
           </a:p>
         </p:txBody>
       </p:sp>
       <p:pic>
         <p:nvPicPr>
-          <p:cNvPr id="10242" name="Picture 2">
+          <p:cNvPr id="8194" name="Picture 2">
             <a:extLst>
               <a:ext uri="{FF2B5EF4-FFF2-40B4-BE49-F238E27FC236}">
-                <a16:creationId xmlns:a16="http://schemas.microsoft.com/office/drawing/2014/main" id="{E1D45780-C7F8-7A4C-7B7C-9984619AFCD3}"/>
+                <a16:creationId xmlns:a16="http://schemas.microsoft.com/office/drawing/2014/main" id="{6DC9C716-46B5-452D-4788-3851BDE0D4B5}"/>
               </a:ext>
             </a:extLst>
           </p:cNvPr>
@@ -5420,8 +5483,8 @@
         </p:blipFill>
         <p:spPr bwMode="auto">
           <a:xfrm>
-            <a:off x="469783" y="1115736"/>
-            <a:ext cx="4548249" cy="3633787"/>
+            <a:off x="547975" y="1199501"/>
+            <a:ext cx="2886601" cy="2285006"/>
           </a:xfrm>
           <a:prstGeom prst="rect">
             <a:avLst/>
@@ -5440,10 +5503,10 @@
       </p:pic>
       <p:pic>
         <p:nvPicPr>
-          <p:cNvPr id="3" name="Picture 2">
+          <p:cNvPr id="4" name="Picture 2">
             <a:extLst>
               <a:ext uri="{FF2B5EF4-FFF2-40B4-BE49-F238E27FC236}">
-                <a16:creationId xmlns:a16="http://schemas.microsoft.com/office/drawing/2014/main" id="{0DB5D287-D76B-2B0A-F0E0-615255EF39FC}"/>
+                <a16:creationId xmlns:a16="http://schemas.microsoft.com/office/drawing/2014/main" id="{DC7BA25C-E96F-8F48-CC61-CFD195E41B9F}"/>
               </a:ext>
             </a:extLst>
           </p:cNvPr>
@@ -5467,8 +5530,8 @@
         </p:blipFill>
         <p:spPr bwMode="auto">
           <a:xfrm>
-            <a:off x="5324547" y="1115735"/>
-            <a:ext cx="4548249" cy="3633787"/>
+            <a:off x="6378261" y="1087071"/>
+            <a:ext cx="3170663" cy="2509867"/>
           </a:xfrm>
           <a:prstGeom prst="rect">
             <a:avLst/>
@@ -5487,10 +5550,10 @@
       </p:pic>
       <p:sp>
         <p:nvSpPr>
-          <p:cNvPr id="4" name="TextBox 3">
+          <p:cNvPr id="3" name="TextBox 2">
             <a:extLst>
               <a:ext uri="{FF2B5EF4-FFF2-40B4-BE49-F238E27FC236}">
-                <a16:creationId xmlns:a16="http://schemas.microsoft.com/office/drawing/2014/main" id="{906D09FE-9F48-E652-FCFB-CAEF27BAA0DF}"/>
+                <a16:creationId xmlns:a16="http://schemas.microsoft.com/office/drawing/2014/main" id="{72ED5844-A6F0-E830-556D-09E1A01E5ABD}"/>
               </a:ext>
             </a:extLst>
           </p:cNvPr>
@@ -5499,8 +5562,8 @@
         </p:nvSpPr>
         <p:spPr>
           <a:xfrm>
-            <a:off x="624845" y="4942045"/>
-            <a:ext cx="10444563" cy="1169551"/>
+            <a:off x="446049" y="3709367"/>
+            <a:ext cx="5285678" cy="2893100"/>
           </a:xfrm>
           <a:prstGeom prst="rect">
             <a:avLst/>
@@ -5513,61 +5576,140 @@
           </a:bodyPr>
           <a:lstStyle/>
           <a:p>
-            <a:pPr marL="285750" indent="-285750">
-              <a:buFontTx/>
-              <a:buChar char="-"/>
-            </a:pPr>
-            <a:r>
-              <a:rPr lang="en-US" sz="1400" dirty="0"/>
-              <a:t>Germany’s age group from 20- 29 based on gender stayed parallel throughout the years with higher cases in early 2000s </a:t>
-            </a:r>
-          </a:p>
-          <a:p>
-            <a:pPr marL="285750" indent="-285750">
-              <a:buFontTx/>
-              <a:buChar char="-"/>
-            </a:pPr>
-            <a:r>
-              <a:rPr lang="en-US" sz="1400" dirty="0"/>
-              <a:t>Population by age group and gender in Turkey varied over the years; </a:t>
-            </a:r>
-          </a:p>
-          <a:p>
-            <a:pPr marL="742950" lvl="1" indent="-285750">
-              <a:buFontTx/>
-              <a:buChar char="-"/>
-            </a:pPr>
-            <a:r>
-              <a:rPr lang="en-US" sz="1400" dirty="0"/>
-              <a:t>20-24 female population was lower than male </a:t>
-            </a:r>
-          </a:p>
-          <a:p>
-            <a:pPr marL="742950" lvl="1" indent="-285750">
-              <a:buFontTx/>
-              <a:buChar char="-"/>
-            </a:pPr>
-            <a:r>
-              <a:rPr lang="en-US" sz="1400" dirty="0"/>
-              <a:t>25-29 both gender population overlap </a:t>
-            </a:r>
-          </a:p>
-          <a:p>
-            <a:pPr marL="742950" lvl="1" indent="-285750">
-              <a:buFontTx/>
-              <a:buChar char="-"/>
-            </a:pPr>
-            <a:r>
-              <a:rPr lang="en-US" sz="1400" dirty="0"/>
-              <a:t>Benefitted from improved healthcare </a:t>
-            </a:r>
+            <a:r>
+              <a:rPr lang="en-US" sz="1400" b="0" i="0" dirty="0">
+                <a:effectLst/>
+                <a:latin typeface="Söhne"/>
+              </a:rPr>
+              <a:t>Population Growth</a:t>
+            </a:r>
+            <a:r>
+              <a:rPr lang="en-US" sz="1400" b="0" i="0" dirty="0">
+                <a:solidFill>
+                  <a:srgbClr val="D1D5DB"/>
+                </a:solidFill>
+                <a:effectLst/>
+                <a:latin typeface="Söhne"/>
+              </a:rPr>
+              <a:t>:</a:t>
+            </a:r>
+            <a:endParaRPr lang="en-US" sz="1400" b="0" i="0" dirty="0">
+              <a:effectLst/>
+              <a:latin typeface="Söhne"/>
+            </a:endParaRPr>
+          </a:p>
+          <a:p>
+            <a:r>
+              <a:rPr lang="en-US" sz="1400" b="0" i="0" dirty="0">
+                <a:effectLst/>
+                <a:latin typeface="Söhne"/>
+              </a:rPr>
+              <a:t>Germany's population has been relatively stable with a low population growth rate in these years. The country has faced challenges related to an aging population and low birth rates, which have impacted population growth.</a:t>
+            </a:r>
+          </a:p>
+          <a:p>
+            <a:r>
+              <a:rPr lang="en-US" sz="1400" b="0" i="0" dirty="0">
+                <a:effectLst/>
+                <a:latin typeface="Söhne"/>
+              </a:rPr>
+              <a:t>During the 2006-2014 period, Germany continued to allocate a significant portion of its GDP to healthcare.</a:t>
+            </a:r>
+          </a:p>
+          <a:p>
+            <a:endParaRPr lang="en-US" sz="1400" b="0" i="0" dirty="0">
+              <a:effectLst/>
+              <a:latin typeface="Söhne"/>
+            </a:endParaRPr>
+          </a:p>
+          <a:p>
+            <a:r>
+              <a:rPr lang="en-US" sz="1400" b="0" i="0" dirty="0">
+                <a:effectLst/>
+                <a:latin typeface="Söhne"/>
+              </a:rPr>
+              <a:t>Tuberculosis is considered a relatively low burden in Germany compared to some other countries. Germany has implemented comprehensive TB control measures.</a:t>
+            </a:r>
+            <a:endParaRPr lang="en-US" sz="1400" dirty="0">
+              <a:latin typeface="Söhne"/>
+            </a:endParaRPr>
+          </a:p>
+          <a:p>
+            <a:endParaRPr lang="en-US" sz="1400" dirty="0">
+              <a:latin typeface="Söhne"/>
+            </a:endParaRPr>
+          </a:p>
+          <a:p>
+            <a:endParaRPr lang="en-US" sz="1400" dirty="0"/>
+          </a:p>
+        </p:txBody>
+      </p:sp>
+      <p:sp>
+        <p:nvSpPr>
+          <p:cNvPr id="5" name="TextBox 4">
+            <a:extLst>
+              <a:ext uri="{FF2B5EF4-FFF2-40B4-BE49-F238E27FC236}">
+                <a16:creationId xmlns:a16="http://schemas.microsoft.com/office/drawing/2014/main" id="{9F71A2A0-EA2F-166F-3D9C-C62515C62217}"/>
+              </a:ext>
+            </a:extLst>
+          </p:cNvPr>
+          <p:cNvSpPr txBox="1"/>
+          <p:nvPr/>
+        </p:nvSpPr>
+        <p:spPr>
+          <a:xfrm>
+            <a:off x="6096000" y="3870316"/>
+            <a:ext cx="5765180" cy="2031325"/>
+          </a:xfrm>
+          <a:prstGeom prst="rect">
+            <a:avLst/>
+          </a:prstGeom>
+          <a:noFill/>
+        </p:spPr>
+        <p:txBody>
+          <a:bodyPr wrap="square" rtlCol="0">
+            <a:spAutoFit/>
+          </a:bodyPr>
+          <a:lstStyle/>
+          <a:p>
+            <a:r>
+              <a:rPr lang="en-US" sz="1400" b="0" i="0" dirty="0">
+                <a:effectLst/>
+                <a:latin typeface="Söhne"/>
+              </a:rPr>
+              <a:t>Turkey experienced significant population growth during the 2006-2014 period. </a:t>
+            </a:r>
+          </a:p>
+          <a:p>
+            <a:endParaRPr lang="en-US" sz="1400" dirty="0">
+              <a:latin typeface="Söhne"/>
+            </a:endParaRPr>
+          </a:p>
+          <a:p>
+            <a:r>
+              <a:rPr lang="en-US" sz="1400" b="0" i="0" dirty="0">
+                <a:effectLst/>
+                <a:latin typeface="Söhne"/>
+              </a:rPr>
+              <a:t>During the 2006-2014 period, Turkey invested in healthcare infrastructure, expanded health insurance coverage, and aimed to enhance access to healthcare services.</a:t>
+            </a:r>
+          </a:p>
+          <a:p>
+            <a:r>
+              <a:rPr lang="en-US" sz="1400" b="0" i="0" dirty="0">
+                <a:effectLst/>
+                <a:latin typeface="Söhne"/>
+              </a:rPr>
+              <a:t>Turkey has had a higher burden of tuberculosis compared to Germany. During the 2006-2014 period, Turkey focused on improving diagnosis and treatment services for tuberculosis.</a:t>
+            </a:r>
+            <a:endParaRPr lang="en-US" sz="1400" dirty="0"/>
           </a:p>
         </p:txBody>
       </p:sp>
     </p:spTree>
     <p:extLst>
       <p:ext uri="{BB962C8B-B14F-4D97-AF65-F5344CB8AC3E}">
-        <p14:creationId xmlns:p14="http://schemas.microsoft.com/office/powerpoint/2010/main" val="916482917"/>
+        <p14:creationId xmlns:p14="http://schemas.microsoft.com/office/powerpoint/2010/main" val="2643323682"/>
       </p:ext>
     </p:extLst>
   </p:cSld>
@@ -5599,7 +5741,7 @@
           <p:cNvPr id="2" name="Title 1">
             <a:extLst>
               <a:ext uri="{FF2B5EF4-FFF2-40B4-BE49-F238E27FC236}">
-                <a16:creationId xmlns:a16="http://schemas.microsoft.com/office/drawing/2014/main" id="{813CA326-D0E9-CB6A-DA08-434AB76D3457}"/>
+                <a16:creationId xmlns:a16="http://schemas.microsoft.com/office/drawing/2014/main" id="{E7EF02F1-1AF7-C7A7-AA15-EAADBE4FA720}"/>
               </a:ext>
             </a:extLst>
           </p:cNvPr>
@@ -5613,7 +5755,7 @@
         <p:spPr>
           <a:xfrm>
             <a:off x="469783" y="702156"/>
-            <a:ext cx="11141025" cy="472303"/>
+            <a:ext cx="11141025" cy="413580"/>
           </a:xfrm>
         </p:spPr>
         <p:txBody>
@@ -5624,24 +5766,26 @@
           <a:p>
             <a:r>
               <a:rPr lang="en-US" dirty="0"/>
-              <a:t>Total public Health expenditure </a:t>
+              <a:t>Ages 20-29</a:t>
             </a:r>
           </a:p>
         </p:txBody>
       </p:sp>
       <p:pic>
         <p:nvPicPr>
-          <p:cNvPr id="4" name="Picture 2">
+          <p:cNvPr id="10242" name="Picture 2">
             <a:extLst>
               <a:ext uri="{FF2B5EF4-FFF2-40B4-BE49-F238E27FC236}">
-                <a16:creationId xmlns:a16="http://schemas.microsoft.com/office/drawing/2014/main" id="{07192D3B-509A-24F2-29D6-FC13BC9DC8A3}"/>
+                <a16:creationId xmlns:a16="http://schemas.microsoft.com/office/drawing/2014/main" id="{E1D45780-C7F8-7A4C-7B7C-9984619AFCD3}"/>
               </a:ext>
             </a:extLst>
           </p:cNvPr>
           <p:cNvPicPr>
-            <a:picLocks noChangeAspect="1" noChangeArrowheads="1"/>
+            <a:picLocks noGrp="1" noChangeAspect="1" noChangeArrowheads="1"/>
           </p:cNvPicPr>
-          <p:nvPr/>
+          <p:nvPr>
+            <p:ph idx="1"/>
+          </p:nvPr>
         </p:nvPicPr>
         <p:blipFill>
           <a:blip r:embed="rId2">
@@ -5658,8 +5802,8 @@
         </p:blipFill>
         <p:spPr bwMode="auto">
           <a:xfrm>
-            <a:off x="6386654" y="1180580"/>
-            <a:ext cx="4556919" cy="3633787"/>
+            <a:off x="469783" y="1115736"/>
+            <a:ext cx="4548249" cy="3633787"/>
           </a:xfrm>
           <a:prstGeom prst="rect">
             <a:avLst/>
@@ -5676,48 +5820,59 @@
           </a:extLst>
         </p:spPr>
       </p:pic>
-      <p:sp>
-        <p:nvSpPr>
-          <p:cNvPr id="5" name="TextBox 4">
+      <p:pic>
+        <p:nvPicPr>
+          <p:cNvPr id="3" name="Picture 2">
             <a:extLst>
               <a:ext uri="{FF2B5EF4-FFF2-40B4-BE49-F238E27FC236}">
-                <a16:creationId xmlns:a16="http://schemas.microsoft.com/office/drawing/2014/main" id="{B71257C9-92F1-EBAA-48BA-7ED034FAE859}"/>
+                <a16:creationId xmlns:a16="http://schemas.microsoft.com/office/drawing/2014/main" id="{0DB5D287-D76B-2B0A-F0E0-615255EF39FC}"/>
               </a:ext>
             </a:extLst>
           </p:cNvPr>
-          <p:cNvSpPr txBox="1"/>
+          <p:cNvPicPr>
+            <a:picLocks noChangeAspect="1" noChangeArrowheads="1"/>
+          </p:cNvPicPr>
           <p:nvPr/>
-        </p:nvSpPr>
-        <p:spPr>
-          <a:xfrm>
-            <a:off x="5771329" y="1722629"/>
-            <a:ext cx="738664" cy="2555121"/>
+        </p:nvPicPr>
+        <p:blipFill>
+          <a:blip r:embed="rId3">
+            <a:extLst>
+              <a:ext uri="{28A0092B-C50C-407E-A947-70E740481C1C}">
+                <a14:useLocalDpi xmlns:a14="http://schemas.microsoft.com/office/drawing/2010/main" val="0"/>
+              </a:ext>
+            </a:extLst>
+          </a:blip>
+          <a:srcRect/>
+          <a:stretch>
+            <a:fillRect/>
+          </a:stretch>
+        </p:blipFill>
+        <p:spPr bwMode="auto">
+          <a:xfrm>
+            <a:off x="5324547" y="1115735"/>
+            <a:ext cx="4548249" cy="3633787"/>
           </a:xfrm>
           <a:prstGeom prst="rect">
             <a:avLst/>
           </a:prstGeom>
           <a:noFill/>
-        </p:spPr>
-        <p:txBody>
-          <a:bodyPr vert="vert270" wrap="square" rtlCol="0">
-            <a:spAutoFit/>
-          </a:bodyPr>
-          <a:lstStyle/>
-          <a:p>
-            <a:pPr algn="ctr"/>
-            <a:r>
-              <a:rPr lang="en-US" dirty="0"/>
-              <a:t>% Total Health Expenditure </a:t>
-            </a:r>
-          </a:p>
-        </p:txBody>
-      </p:sp>
-      <p:sp>
-        <p:nvSpPr>
-          <p:cNvPr id="7" name="TextBox 6">
+          <a:extLst>
+            <a:ext uri="{909E8E84-426E-40DD-AFC4-6F175D3DCCD1}">
+              <a14:hiddenFill xmlns:a14="http://schemas.microsoft.com/office/drawing/2010/main">
+                <a:solidFill>
+                  <a:srgbClr val="FFFFFF"/>
+                </a:solidFill>
+              </a14:hiddenFill>
+            </a:ext>
+          </a:extLst>
+        </p:spPr>
+      </p:pic>
+      <p:sp>
+        <p:nvSpPr>
+          <p:cNvPr id="4" name="TextBox 3">
             <a:extLst>
               <a:ext uri="{FF2B5EF4-FFF2-40B4-BE49-F238E27FC236}">
-                <a16:creationId xmlns:a16="http://schemas.microsoft.com/office/drawing/2014/main" id="{52071F46-30D9-C823-8D43-193B61F61664}"/>
+                <a16:creationId xmlns:a16="http://schemas.microsoft.com/office/drawing/2014/main" id="{906D09FE-9F48-E652-FCFB-CAEF27BAA0DF}"/>
               </a:ext>
             </a:extLst>
           </p:cNvPr>
@@ -5726,8 +5881,8 @@
         </p:nvSpPr>
         <p:spPr>
           <a:xfrm>
-            <a:off x="577035" y="1401996"/>
-            <a:ext cx="4177717" cy="2031325"/>
+            <a:off x="624845" y="4942045"/>
+            <a:ext cx="10444563" cy="1169551"/>
           </a:xfrm>
           <a:prstGeom prst="rect">
             <a:avLst/>
@@ -5746,11 +5901,8 @@
             </a:pPr>
             <a:r>
               <a:rPr lang="en-US" sz="1400" dirty="0"/>
-              <a:t>Germany health care system shows no fluctuation/is steady </a:t>
-            </a:r>
-          </a:p>
-          <a:p>
-            <a:endParaRPr lang="en-US" sz="1400" dirty="0"/>
+              <a:t>Germany’s age group from 20- 29 based on gender stayed parallel throughout the years with higher cases in early 2000s </a:t>
+            </a:r>
           </a:p>
           <a:p>
             <a:pPr marL="285750" indent="-285750">
@@ -5759,7 +5911,7 @@
             </a:pPr>
             <a:r>
               <a:rPr lang="en-US" sz="1400" dirty="0"/>
-              <a:t>Total health expenditure increased in Turkey around 2007 </a:t>
+              <a:t>Population by age group and gender in Turkey varied over the years; </a:t>
             </a:r>
           </a:p>
           <a:p>
@@ -5769,7 +5921,7 @@
             </a:pPr>
             <a:r>
               <a:rPr lang="en-US" sz="1400" dirty="0"/>
-              <a:t>Tuberculosis Control Department budget increased </a:t>
+              <a:t>20-24 female population was lower than male </a:t>
             </a:r>
           </a:p>
           <a:p>
@@ -5779,19 +5931,25 @@
             </a:pPr>
             <a:r>
               <a:rPr lang="en-US" sz="1400" dirty="0"/>
-              <a:t>Economic stability </a:t>
-            </a:r>
-          </a:p>
-          <a:p>
-            <a:pPr lvl="1"/>
-            <a:endParaRPr lang="en-US" sz="1400" dirty="0"/>
+              <a:t>25-29 both gender population overlap </a:t>
+            </a:r>
+          </a:p>
+          <a:p>
+            <a:pPr marL="742950" lvl="1" indent="-285750">
+              <a:buFontTx/>
+              <a:buChar char="-"/>
+            </a:pPr>
+            <a:r>
+              <a:rPr lang="en-US" sz="1400" dirty="0"/>
+              <a:t>Benefitted from improved healthcare </a:t>
+            </a:r>
           </a:p>
         </p:txBody>
       </p:sp>
     </p:spTree>
     <p:extLst>
       <p:ext uri="{BB962C8B-B14F-4D97-AF65-F5344CB8AC3E}">
-        <p14:creationId xmlns:p14="http://schemas.microsoft.com/office/powerpoint/2010/main" val="4202038456"/>
+        <p14:creationId xmlns:p14="http://schemas.microsoft.com/office/powerpoint/2010/main" val="2710045824"/>
       </p:ext>
     </p:extLst>
   </p:cSld>
